--- a/Textbooks/Warren Henry.pptx
+++ b/Textbooks/Warren Henry.pptx
@@ -515,7 +515,7 @@
             </a:r>
             <a:br/>
             <a:r>
-              <a:t>Knight, 3rd edition, Chapter 30, section 4</a:t>
+              <a:t>Knight, Physics for Scientists and Engineers: A Strategic Approach with Modern Physics, 3rd Edition, Chapter 30, section 4</a:t>
             </a:r>
             <a:br/>
             <a:r>

--- a/Textbooks/Warren Henry.pptx
+++ b/Textbooks/Warren Henry.pptx
@@ -519,6 +519,14 @@
             </a:r>
             <a:br/>
             <a:r>
+              <a:t>Knight, Physics for Scientists and Engineers: A Strategic Approach with Modern Physics, 3rd Edition, Chapter 32</a:t>
+            </a:r>
+            <a:br/>
+            <a:r>
+              <a:t>Knight, 2nd Edition, Chapter 22</a:t>
+            </a:r>
+            <a:br/>
+            <a:r>
               <a:t> </a:t>
             </a:r>
             <a:br/>
@@ -546,13 +554,83 @@
             <a:br/>
             <a:br/>
             <a:r>
-              <a:t>His work was a significant contribution to the world because his models and ideas have been implemented into modern textbooks, and are still widely used to this day. A prime example of that being the demonstration I had spoken of earlier that took place back in 1934. </a:t>
-            </a:r>
-            <a:br/>
-            <a:br/>
-            <a:r>
-              <a:t>In relation to where Henry’s work can be found in the textbook, I would imagine that his material could be found in chapter 32 and 33 where it talks about the magnetic field of a current and electromagnetic induction.</a:t>
-            </a:r>
+              <a:t>His work was a significant contribution to the world because his models and ideas have been implemented into modern textbooks, and are still widely used to this day. A prime example of that being the demonstration I had spoken of earlier that took place back in 1934.</a:t>
+            </a:r>
+            <a:br/>
+            <a:br/>
+            <a:r>
+              <a:t>[Commentary from a second student:]</a:t>
+            </a:r>
+            <a:br/>
+            <a:br/>
+            <a:r>
+              <a:t>Warren Henry (1909 – 2001) was an African American physicist who specialized</a:t>
+            </a:r>
+            <a:br/>
+            <a:r>
+              <a:t>in the fields of magnetism and superconductivity (Williams 2008). His</a:t>
+            </a:r>
+            <a:br/>
+            <a:r>
+              <a:t>contributions to the world of physics include hundreds of published articles</a:t>
+            </a:r>
+            <a:br/>
+            <a:r>
+              <a:t>regarding his research, the partial discovery of paramagnetism and how it</a:t>
+            </a:r>
+            <a:br/>
+            <a:r>
+              <a:t>works on a quantum level, and a “demonstration of the proof of non-interacting</a:t>
+            </a:r>
+            <a:br/>
+            <a:r>
+              <a:t>paramagnetic ions” (Williams 2008). His research was important for the U.S.</a:t>
+            </a:r>
+            <a:br/>
+            <a:r>
+              <a:t>naval forces during the time of the Vietnam War, as U.S. submarines were able</a:t>
+            </a:r>
+            <a:br/>
+            <a:r>
+              <a:t>to be equipped with better technology and sonar. He received his undergraduate</a:t>
+            </a:r>
+            <a:br/>
+            <a:r>
+              <a:t>degree in mathematics, English, and French from Tuskegee Institute, and he</a:t>
+            </a:r>
+            <a:br/>
+            <a:r>
+              <a:t>received his PhD in physical chemistry in 1941 from University of Chicago</a:t>
+            </a:r>
+            <a:br/>
+            <a:r>
+              <a:t>(“Warren Elliot Henry”). His background also includes an education involving</a:t>
+            </a:r>
+            <a:br/>
+            <a:r>
+              <a:t>many Nobel Prize winning scientists; “Arthur Compton taught him quantum</a:t>
+            </a:r>
+            <a:br/>
+            <a:r>
+              <a:t>mechanics, Wolfgang Pauli taught nuclear forces, Robert Millikan taught</a:t>
+            </a:r>
+            <a:br/>
+            <a:r>
+              <a:t>molecular spectra” (Williams 2008). Henry was a recipient of the Lifetime</a:t>
+            </a:r>
+            <a:br/>
+            <a:r>
+              <a:t>Achievement Award from the National Science Foundation, and is recognized as</a:t>
+            </a:r>
+            <a:br/>
+            <a:r>
+              <a:t>one of the best, most important African American physicists of all time</a:t>
+            </a:r>
+            <a:br/>
+            <a:r>
+              <a:t>(“Warren Elliot Henry”).  </a:t>
+            </a:r>
+            <a:br/>
             <a:br/>
             <a:br/>
             <a:r>
@@ -583,6 +661,19 @@
             <a:br/>
             <a:r>
               <a:t>	mad/physics/henry_warren.html</a:t>
+            </a:r>
+            <a:br/>
+            <a:br/>
+            <a:r>
+              <a:t>Williams, Scott. "Warren Henry." Physicists of the African Diaspora, edited by</a:t>
+            </a:r>
+            <a:br/>
+            <a:r>
+              <a:t>Scott Williams, 2008. "Warren Elliot Henry." Wikipedia: The Free Encyclopedia,</a:t>
+            </a:r>
+            <a:br/>
+            <a:r>
+              <a:t>Wikimedia Foundation, Inc, https://en.wikipedia.org/wiki/Warren_Elliot_Henry.  </a:t>
             </a:r>
             <a:br/>
             <a:br/>
